--- a/Note.pptx
+++ b/Note.pptx
@@ -7,6 +7,8 @@
   <p:sldIdLst>
     <p:sldId id="256" r:id="rId2"/>
     <p:sldId id="257" r:id="rId3"/>
+    <p:sldId id="258" r:id="rId4"/>
+    <p:sldId id="259" r:id="rId5"/>
   </p:sldIdLst>
   <p:sldSz cx="12192000" cy="6858000"/>
   <p:notesSz cx="6858000" cy="9144000"/>
@@ -260,7 +262,7 @@
           <a:p>
             <a:fld id="{2E29ED21-8C56-44B9-988C-50FDA055D0F5}" type="datetimeFigureOut">
               <a:rPr kumimoji="1" lang="ja-JP" altLang="en-US" smtClean="0"/>
-              <a:t>2026/2/13</a:t>
+              <a:t>2026/2/19</a:t>
             </a:fld>
             <a:endParaRPr kumimoji="1" lang="ja-JP" altLang="en-US"/>
           </a:p>
@@ -490,7 +492,7 @@
           <a:p>
             <a:fld id="{2E29ED21-8C56-44B9-988C-50FDA055D0F5}" type="datetimeFigureOut">
               <a:rPr kumimoji="1" lang="ja-JP" altLang="en-US" smtClean="0"/>
-              <a:t>2026/2/13</a:t>
+              <a:t>2026/2/19</a:t>
             </a:fld>
             <a:endParaRPr kumimoji="1" lang="ja-JP" altLang="en-US"/>
           </a:p>
@@ -730,7 +732,7 @@
           <a:p>
             <a:fld id="{2E29ED21-8C56-44B9-988C-50FDA055D0F5}" type="datetimeFigureOut">
               <a:rPr kumimoji="1" lang="ja-JP" altLang="en-US" smtClean="0"/>
-              <a:t>2026/2/13</a:t>
+              <a:t>2026/2/19</a:t>
             </a:fld>
             <a:endParaRPr kumimoji="1" lang="ja-JP" altLang="en-US"/>
           </a:p>
@@ -960,7 +962,7 @@
           <a:p>
             <a:fld id="{2E29ED21-8C56-44B9-988C-50FDA055D0F5}" type="datetimeFigureOut">
               <a:rPr kumimoji="1" lang="ja-JP" altLang="en-US" smtClean="0"/>
-              <a:t>2026/2/13</a:t>
+              <a:t>2026/2/19</a:t>
             </a:fld>
             <a:endParaRPr kumimoji="1" lang="ja-JP" altLang="en-US"/>
           </a:p>
@@ -1235,7 +1237,7 @@
           <a:p>
             <a:fld id="{2E29ED21-8C56-44B9-988C-50FDA055D0F5}" type="datetimeFigureOut">
               <a:rPr kumimoji="1" lang="ja-JP" altLang="en-US" smtClean="0"/>
-              <a:t>2026/2/13</a:t>
+              <a:t>2026/2/19</a:t>
             </a:fld>
             <a:endParaRPr kumimoji="1" lang="ja-JP" altLang="en-US"/>
           </a:p>
@@ -1564,7 +1566,7 @@
           <a:p>
             <a:fld id="{2E29ED21-8C56-44B9-988C-50FDA055D0F5}" type="datetimeFigureOut">
               <a:rPr kumimoji="1" lang="ja-JP" altLang="en-US" smtClean="0"/>
-              <a:t>2026/2/13</a:t>
+              <a:t>2026/2/19</a:t>
             </a:fld>
             <a:endParaRPr kumimoji="1" lang="ja-JP" altLang="en-US"/>
           </a:p>
@@ -2040,7 +2042,7 @@
           <a:p>
             <a:fld id="{2E29ED21-8C56-44B9-988C-50FDA055D0F5}" type="datetimeFigureOut">
               <a:rPr kumimoji="1" lang="ja-JP" altLang="en-US" smtClean="0"/>
-              <a:t>2026/2/13</a:t>
+              <a:t>2026/2/19</a:t>
             </a:fld>
             <a:endParaRPr kumimoji="1" lang="ja-JP" altLang="en-US"/>
           </a:p>
@@ -2181,7 +2183,7 @@
           <a:p>
             <a:fld id="{2E29ED21-8C56-44B9-988C-50FDA055D0F5}" type="datetimeFigureOut">
               <a:rPr kumimoji="1" lang="ja-JP" altLang="en-US" smtClean="0"/>
-              <a:t>2026/2/13</a:t>
+              <a:t>2026/2/19</a:t>
             </a:fld>
             <a:endParaRPr kumimoji="1" lang="ja-JP" altLang="en-US"/>
           </a:p>
@@ -2294,7 +2296,7 @@
           <a:p>
             <a:fld id="{2E29ED21-8C56-44B9-988C-50FDA055D0F5}" type="datetimeFigureOut">
               <a:rPr kumimoji="1" lang="ja-JP" altLang="en-US" smtClean="0"/>
-              <a:t>2026/2/13</a:t>
+              <a:t>2026/2/19</a:t>
             </a:fld>
             <a:endParaRPr kumimoji="1" lang="ja-JP" altLang="en-US"/>
           </a:p>
@@ -2637,7 +2639,7 @@
           <a:p>
             <a:fld id="{2E29ED21-8C56-44B9-988C-50FDA055D0F5}" type="datetimeFigureOut">
               <a:rPr kumimoji="1" lang="ja-JP" altLang="en-US" smtClean="0"/>
-              <a:t>2026/2/13</a:t>
+              <a:t>2026/2/19</a:t>
             </a:fld>
             <a:endParaRPr kumimoji="1" lang="ja-JP" altLang="en-US"/>
           </a:p>
@@ -2925,7 +2927,7 @@
           <a:p>
             <a:fld id="{2E29ED21-8C56-44B9-988C-50FDA055D0F5}" type="datetimeFigureOut">
               <a:rPr kumimoji="1" lang="ja-JP" altLang="en-US" smtClean="0"/>
-              <a:t>2026/2/13</a:t>
+              <a:t>2026/2/19</a:t>
             </a:fld>
             <a:endParaRPr kumimoji="1" lang="ja-JP" altLang="en-US"/>
           </a:p>
@@ -3198,7 +3200,7 @@
           <a:p>
             <a:fld id="{2E29ED21-8C56-44B9-988C-50FDA055D0F5}" type="datetimeFigureOut">
               <a:rPr kumimoji="1" lang="ja-JP" altLang="en-US" smtClean="0"/>
-              <a:t>2026/2/13</a:t>
+              <a:t>2026/2/19</a:t>
             </a:fld>
             <a:endParaRPr kumimoji="1" lang="ja-JP" altLang="en-US"/>
           </a:p>
@@ -4368,6 +4370,234 @@
     <p:extLst>
       <p:ext uri="{BB962C8B-B14F-4D97-AF65-F5344CB8AC3E}">
         <p14:creationId xmlns:p14="http://schemas.microsoft.com/office/powerpoint/2010/main" val="4032285652"/>
+      </p:ext>
+    </p:extLst>
+  </p:cSld>
+  <p:clrMapOvr>
+    <a:masterClrMapping/>
+  </p:clrMapOvr>
+</p:sld>
+</file>
+
+<file path=ppt/slides/slide3.xml><?xml version="1.0" encoding="utf-8"?>
+<p:sld xmlns:a="http://schemas.openxmlformats.org/drawingml/2006/main" xmlns:r="http://schemas.openxmlformats.org/officeDocument/2006/relationships" xmlns:p="http://schemas.openxmlformats.org/presentationml/2006/main">
+  <p:cSld>
+    <p:spTree>
+      <p:nvGrpSpPr>
+        <p:cNvPr id="1" name=""/>
+        <p:cNvGrpSpPr/>
+        <p:nvPr/>
+      </p:nvGrpSpPr>
+      <p:grpSpPr>
+        <a:xfrm>
+          <a:off x="0" y="0"/>
+          <a:ext cx="0" cy="0"/>
+          <a:chOff x="0" y="0"/>
+          <a:chExt cx="0" cy="0"/>
+        </a:xfrm>
+      </p:grpSpPr>
+      <p:sp>
+        <p:nvSpPr>
+          <p:cNvPr id="2" name="テキスト ボックス 1">
+            <a:extLst>
+              <a:ext uri="{FF2B5EF4-FFF2-40B4-BE49-F238E27FC236}">
+                <a16:creationId xmlns:a16="http://schemas.microsoft.com/office/drawing/2014/main" id="{8C5D4E96-0837-93EC-1411-D95DE2192911}"/>
+              </a:ext>
+            </a:extLst>
+          </p:cNvPr>
+          <p:cNvSpPr txBox="1"/>
+          <p:nvPr/>
+        </p:nvSpPr>
+        <p:spPr>
+          <a:xfrm>
+            <a:off x="4267200" y="328023"/>
+            <a:ext cx="3657600" cy="1938992"/>
+          </a:xfrm>
+          <a:prstGeom prst="rect">
+            <a:avLst/>
+          </a:prstGeom>
+          <a:noFill/>
+        </p:spPr>
+        <p:txBody>
+          <a:bodyPr wrap="square" rtlCol="0">
+            <a:spAutoFit/>
+          </a:bodyPr>
+          <a:lstStyle/>
+          <a:p>
+            <a:pPr algn="ctr"/>
+            <a:r>
+              <a:rPr kumimoji="1" lang="en-US" altLang="ja-JP" sz="4800" dirty="0"/>
+              <a:t>Researcher review</a:t>
+            </a:r>
+          </a:p>
+          <a:p>
+            <a:endParaRPr kumimoji="1" lang="ja-JP" altLang="en-US" sz="2400" dirty="0"/>
+          </a:p>
+        </p:txBody>
+      </p:sp>
+    </p:spTree>
+    <p:extLst>
+      <p:ext uri="{BB962C8B-B14F-4D97-AF65-F5344CB8AC3E}">
+        <p14:creationId xmlns:p14="http://schemas.microsoft.com/office/powerpoint/2010/main" val="3463427558"/>
+      </p:ext>
+    </p:extLst>
+  </p:cSld>
+  <p:clrMapOvr>
+    <a:masterClrMapping/>
+  </p:clrMapOvr>
+</p:sld>
+</file>
+
+<file path=ppt/slides/slide4.xml><?xml version="1.0" encoding="utf-8"?>
+<p:sld xmlns:a="http://schemas.openxmlformats.org/drawingml/2006/main" xmlns:r="http://schemas.openxmlformats.org/officeDocument/2006/relationships" xmlns:p="http://schemas.openxmlformats.org/presentationml/2006/main">
+  <p:cSld>
+    <p:spTree>
+      <p:nvGrpSpPr>
+        <p:cNvPr id="1" name=""/>
+        <p:cNvGrpSpPr/>
+        <p:nvPr/>
+      </p:nvGrpSpPr>
+      <p:grpSpPr>
+        <a:xfrm>
+          <a:off x="0" y="0"/>
+          <a:ext cx="0" cy="0"/>
+          <a:chOff x="0" y="0"/>
+          <a:chExt cx="0" cy="0"/>
+        </a:xfrm>
+      </p:grpSpPr>
+      <p:sp>
+        <p:nvSpPr>
+          <p:cNvPr id="2" name="テキスト ボックス 1">
+            <a:extLst>
+              <a:ext uri="{FF2B5EF4-FFF2-40B4-BE49-F238E27FC236}">
+                <a16:creationId xmlns:a16="http://schemas.microsoft.com/office/drawing/2014/main" id="{96AE8E1C-72E3-C61A-2B0E-E2E6D33AC161}"/>
+              </a:ext>
+            </a:extLst>
+          </p:cNvPr>
+          <p:cNvSpPr txBox="1"/>
+          <p:nvPr/>
+        </p:nvSpPr>
+        <p:spPr>
+          <a:xfrm>
+            <a:off x="244928" y="146957"/>
+            <a:ext cx="9143850" cy="369332"/>
+          </a:xfrm>
+          <a:prstGeom prst="rect">
+            <a:avLst/>
+          </a:prstGeom>
+          <a:noFill/>
+        </p:spPr>
+        <p:txBody>
+          <a:bodyPr wrap="none" rtlCol="0">
+            <a:spAutoFit/>
+          </a:bodyPr>
+          <a:lstStyle/>
+          <a:p>
+            <a:r>
+              <a:rPr lang="en-US" altLang="ja-JP"/>
+              <a:t>GCM-SIV: Full Nonce Misuse-Resistant Authenticated Encryption at Under One C/B</a:t>
+            </a:r>
+            <a:endParaRPr kumimoji="1" lang="ja-JP" altLang="en-US" dirty="0"/>
+          </a:p>
+        </p:txBody>
+      </p:sp>
+      <p:sp>
+        <p:nvSpPr>
+          <p:cNvPr id="3" name="テキスト ボックス 2">
+            <a:extLst>
+              <a:ext uri="{FF2B5EF4-FFF2-40B4-BE49-F238E27FC236}">
+                <a16:creationId xmlns:a16="http://schemas.microsoft.com/office/drawing/2014/main" id="{5F8E9CFC-9661-A5BA-EDB5-4B052AC491E4}"/>
+              </a:ext>
+            </a:extLst>
+          </p:cNvPr>
+          <p:cNvSpPr txBox="1"/>
+          <p:nvPr/>
+        </p:nvSpPr>
+        <p:spPr>
+          <a:xfrm>
+            <a:off x="244929" y="899160"/>
+            <a:ext cx="11642272" cy="2585323"/>
+          </a:xfrm>
+          <a:prstGeom prst="rect">
+            <a:avLst/>
+          </a:prstGeom>
+          <a:noFill/>
+        </p:spPr>
+        <p:txBody>
+          <a:bodyPr wrap="square" rtlCol="0">
+            <a:spAutoFit/>
+          </a:bodyPr>
+          <a:lstStyle/>
+          <a:p>
+            <a:r>
+              <a:rPr kumimoji="1" lang="en-US" altLang="ja-JP" dirty="0"/>
+              <a:t>Background- </a:t>
+            </a:r>
+            <a:r>
+              <a:rPr kumimoji="1" lang="en-US" altLang="ja-JP" dirty="0">
+                <a:highlight>
+                  <a:srgbClr val="FFFF00"/>
+                </a:highlight>
+              </a:rPr>
+              <a:t>CAESAR </a:t>
+            </a:r>
+            <a:r>
+              <a:rPr kumimoji="1" lang="en-US" altLang="ja-JP" dirty="0"/>
+              <a:t>competition is consider</a:t>
+            </a:r>
+            <a:r>
+              <a:rPr lang="en-US" altLang="ja-JP" dirty="0"/>
+              <a:t>ing new model for authentication encryption</a:t>
+            </a:r>
+          </a:p>
+          <a:p>
+            <a:r>
+              <a:rPr lang="en-US" altLang="ja-JP" dirty="0"/>
+              <a:t>Even if nonce or IV repeating, this can keep secure.</a:t>
+            </a:r>
+          </a:p>
+          <a:p>
+            <a:endParaRPr lang="en-US" altLang="ja-JP" dirty="0"/>
+          </a:p>
+          <a:p>
+            <a:r>
+              <a:rPr kumimoji="1" lang="en-US" altLang="ja-JP" dirty="0"/>
+              <a:t>RQ- : How to make new authenticated encryption scheme using GCM building block. </a:t>
+            </a:r>
+          </a:p>
+          <a:p>
+            <a:endParaRPr lang="en-US" altLang="ja-JP" dirty="0"/>
+          </a:p>
+          <a:p>
+            <a:r>
+              <a:rPr lang="en-US" altLang="ja-JP" dirty="0"/>
+              <a:t>Measure : A full nonce misuse-resistant authenticated encryption scheme can do that if</a:t>
+            </a:r>
+            <a:r>
+              <a:rPr kumimoji="1" lang="en-US" altLang="ja-JP" dirty="0"/>
+              <a:t> the same nonce is used </a:t>
+            </a:r>
+            <a:r>
+              <a:rPr lang="en-US" altLang="ja-JP" dirty="0"/>
+              <a:t>encrypt the same message twice, then the same ciphertext is obtain.</a:t>
+            </a:r>
+          </a:p>
+          <a:p>
+            <a:endParaRPr kumimoji="1" lang="en-US" altLang="ja-JP" dirty="0"/>
+          </a:p>
+          <a:p>
+            <a:r>
+              <a:rPr lang="en-US" altLang="ja-JP"/>
+              <a:t>How : </a:t>
+            </a:r>
+            <a:endParaRPr kumimoji="1" lang="ja-JP" altLang="en-US" dirty="0"/>
+          </a:p>
+        </p:txBody>
+      </p:sp>
+    </p:spTree>
+    <p:extLst>
+      <p:ext uri="{BB962C8B-B14F-4D97-AF65-F5344CB8AC3E}">
+        <p14:creationId xmlns:p14="http://schemas.microsoft.com/office/powerpoint/2010/main" val="359177702"/>
       </p:ext>
     </p:extLst>
   </p:cSld>

--- a/Note.pptx
+++ b/Note.pptx
@@ -9,6 +9,7 @@
     <p:sldId id="257" r:id="rId3"/>
     <p:sldId id="258" r:id="rId4"/>
     <p:sldId id="259" r:id="rId5"/>
+    <p:sldId id="260" r:id="rId6"/>
   </p:sldIdLst>
   <p:sldSz cx="12192000" cy="6858000"/>
   <p:notesSz cx="6858000" cy="9144000"/>
@@ -262,7 +263,7 @@
           <a:p>
             <a:fld id="{2E29ED21-8C56-44B9-988C-50FDA055D0F5}" type="datetimeFigureOut">
               <a:rPr kumimoji="1" lang="ja-JP" altLang="en-US" smtClean="0"/>
-              <a:t>2026/2/19</a:t>
+              <a:t>2026/2/21</a:t>
             </a:fld>
             <a:endParaRPr kumimoji="1" lang="ja-JP" altLang="en-US"/>
           </a:p>
@@ -492,7 +493,7 @@
           <a:p>
             <a:fld id="{2E29ED21-8C56-44B9-988C-50FDA055D0F5}" type="datetimeFigureOut">
               <a:rPr kumimoji="1" lang="ja-JP" altLang="en-US" smtClean="0"/>
-              <a:t>2026/2/19</a:t>
+              <a:t>2026/2/21</a:t>
             </a:fld>
             <a:endParaRPr kumimoji="1" lang="ja-JP" altLang="en-US"/>
           </a:p>
@@ -732,7 +733,7 @@
           <a:p>
             <a:fld id="{2E29ED21-8C56-44B9-988C-50FDA055D0F5}" type="datetimeFigureOut">
               <a:rPr kumimoji="1" lang="ja-JP" altLang="en-US" smtClean="0"/>
-              <a:t>2026/2/19</a:t>
+              <a:t>2026/2/21</a:t>
             </a:fld>
             <a:endParaRPr kumimoji="1" lang="ja-JP" altLang="en-US"/>
           </a:p>
@@ -962,7 +963,7 @@
           <a:p>
             <a:fld id="{2E29ED21-8C56-44B9-988C-50FDA055D0F5}" type="datetimeFigureOut">
               <a:rPr kumimoji="1" lang="ja-JP" altLang="en-US" smtClean="0"/>
-              <a:t>2026/2/19</a:t>
+              <a:t>2026/2/21</a:t>
             </a:fld>
             <a:endParaRPr kumimoji="1" lang="ja-JP" altLang="en-US"/>
           </a:p>
@@ -1237,7 +1238,7 @@
           <a:p>
             <a:fld id="{2E29ED21-8C56-44B9-988C-50FDA055D0F5}" type="datetimeFigureOut">
               <a:rPr kumimoji="1" lang="ja-JP" altLang="en-US" smtClean="0"/>
-              <a:t>2026/2/19</a:t>
+              <a:t>2026/2/21</a:t>
             </a:fld>
             <a:endParaRPr kumimoji="1" lang="ja-JP" altLang="en-US"/>
           </a:p>
@@ -1566,7 +1567,7 @@
           <a:p>
             <a:fld id="{2E29ED21-8C56-44B9-988C-50FDA055D0F5}" type="datetimeFigureOut">
               <a:rPr kumimoji="1" lang="ja-JP" altLang="en-US" smtClean="0"/>
-              <a:t>2026/2/19</a:t>
+              <a:t>2026/2/21</a:t>
             </a:fld>
             <a:endParaRPr kumimoji="1" lang="ja-JP" altLang="en-US"/>
           </a:p>
@@ -2042,7 +2043,7 @@
           <a:p>
             <a:fld id="{2E29ED21-8C56-44B9-988C-50FDA055D0F5}" type="datetimeFigureOut">
               <a:rPr kumimoji="1" lang="ja-JP" altLang="en-US" smtClean="0"/>
-              <a:t>2026/2/19</a:t>
+              <a:t>2026/2/21</a:t>
             </a:fld>
             <a:endParaRPr kumimoji="1" lang="ja-JP" altLang="en-US"/>
           </a:p>
@@ -2183,7 +2184,7 @@
           <a:p>
             <a:fld id="{2E29ED21-8C56-44B9-988C-50FDA055D0F5}" type="datetimeFigureOut">
               <a:rPr kumimoji="1" lang="ja-JP" altLang="en-US" smtClean="0"/>
-              <a:t>2026/2/19</a:t>
+              <a:t>2026/2/21</a:t>
             </a:fld>
             <a:endParaRPr kumimoji="1" lang="ja-JP" altLang="en-US"/>
           </a:p>
@@ -2296,7 +2297,7 @@
           <a:p>
             <a:fld id="{2E29ED21-8C56-44B9-988C-50FDA055D0F5}" type="datetimeFigureOut">
               <a:rPr kumimoji="1" lang="ja-JP" altLang="en-US" smtClean="0"/>
-              <a:t>2026/2/19</a:t>
+              <a:t>2026/2/21</a:t>
             </a:fld>
             <a:endParaRPr kumimoji="1" lang="ja-JP" altLang="en-US"/>
           </a:p>
@@ -2639,7 +2640,7 @@
           <a:p>
             <a:fld id="{2E29ED21-8C56-44B9-988C-50FDA055D0F5}" type="datetimeFigureOut">
               <a:rPr kumimoji="1" lang="ja-JP" altLang="en-US" smtClean="0"/>
-              <a:t>2026/2/19</a:t>
+              <a:t>2026/2/21</a:t>
             </a:fld>
             <a:endParaRPr kumimoji="1" lang="ja-JP" altLang="en-US"/>
           </a:p>
@@ -2927,7 +2928,7 @@
           <a:p>
             <a:fld id="{2E29ED21-8C56-44B9-988C-50FDA055D0F5}" type="datetimeFigureOut">
               <a:rPr kumimoji="1" lang="ja-JP" altLang="en-US" smtClean="0"/>
-              <a:t>2026/2/19</a:t>
+              <a:t>2026/2/21</a:t>
             </a:fld>
             <a:endParaRPr kumimoji="1" lang="ja-JP" altLang="en-US"/>
           </a:p>
@@ -3200,7 +3201,7 @@
           <a:p>
             <a:fld id="{2E29ED21-8C56-44B9-988C-50FDA055D0F5}" type="datetimeFigureOut">
               <a:rPr kumimoji="1" lang="ja-JP" altLang="en-US" smtClean="0"/>
-              <a:t>2026/2/19</a:t>
+              <a:t>2026/2/21</a:t>
             </a:fld>
             <a:endParaRPr kumimoji="1" lang="ja-JP" altLang="en-US"/>
           </a:p>
@@ -4598,6 +4599,36 @@
     <p:extLst>
       <p:ext uri="{BB962C8B-B14F-4D97-AF65-F5344CB8AC3E}">
         <p14:creationId xmlns:p14="http://schemas.microsoft.com/office/powerpoint/2010/main" val="359177702"/>
+      </p:ext>
+    </p:extLst>
+  </p:cSld>
+  <p:clrMapOvr>
+    <a:masterClrMapping/>
+  </p:clrMapOvr>
+</p:sld>
+</file>
+
+<file path=ppt/slides/slide5.xml><?xml version="1.0" encoding="utf-8"?>
+<p:sld xmlns:a="http://schemas.openxmlformats.org/drawingml/2006/main" xmlns:r="http://schemas.openxmlformats.org/officeDocument/2006/relationships" xmlns:p="http://schemas.openxmlformats.org/presentationml/2006/main">
+  <p:cSld>
+    <p:spTree>
+      <p:nvGrpSpPr>
+        <p:cNvPr id="1" name=""/>
+        <p:cNvGrpSpPr/>
+        <p:nvPr/>
+      </p:nvGrpSpPr>
+      <p:grpSpPr>
+        <a:xfrm>
+          <a:off x="0" y="0"/>
+          <a:ext cx="0" cy="0"/>
+          <a:chOff x="0" y="0"/>
+          <a:chExt cx="0" cy="0"/>
+        </a:xfrm>
+      </p:grpSpPr>
+    </p:spTree>
+    <p:extLst>
+      <p:ext uri="{BB962C8B-B14F-4D97-AF65-F5344CB8AC3E}">
+        <p14:creationId xmlns:p14="http://schemas.microsoft.com/office/powerpoint/2010/main" val="909200273"/>
       </p:ext>
     </p:extLst>
   </p:cSld>
